--- a/ppt 16-9/0999.信心之歌.pptx
+++ b/ppt 16-9/0999.信心之歌.pptx
@@ -5,7 +5,7 @@
     <p:sldMasterId id="2147483648" r:id="rId1"/>
   </p:sldMasterIdLst>
   <p:sldIdLst>
-    <p:sldId id="410" r:id="rId2"/>
+    <p:sldId id="412" r:id="rId2"/>
   </p:sldIdLst>
   <p:sldSz cx="12192000" cy="6858000"/>
   <p:notesSz cx="6858000" cy="9144000"/>
@@ -129,7 +129,7 @@
           <p:cNvPr id="2" name="标题 1">
             <a:extLst>
               <a:ext uri="{FF2B5EF4-FFF2-40B4-BE49-F238E27FC236}">
-                <a16:creationId xmlns:a16="http://schemas.microsoft.com/office/drawing/2014/main" id="{0B1F2CD9-6FCC-B38F-96BF-7C3FF5C0CB90}"/>
+                <a16:creationId xmlns:a16="http://schemas.microsoft.com/office/drawing/2014/main" id="{F9165735-DBA3-31E1-5D01-50F0CBE008FB}"/>
               </a:ext>
             </a:extLst>
           </p:cNvPr>
@@ -166,7 +166,7 @@
           <p:cNvPr id="3" name="副标题 2">
             <a:extLst>
               <a:ext uri="{FF2B5EF4-FFF2-40B4-BE49-F238E27FC236}">
-                <a16:creationId xmlns:a16="http://schemas.microsoft.com/office/drawing/2014/main" id="{7DFBD7B2-8BF2-B5AF-F9AA-04DF1FCA6672}"/>
+                <a16:creationId xmlns:a16="http://schemas.microsoft.com/office/drawing/2014/main" id="{419749E4-0765-CD03-65E4-A75B1B3A56A9}"/>
               </a:ext>
             </a:extLst>
           </p:cNvPr>
@@ -236,7 +236,7 @@
           <p:cNvPr id="4" name="日期占位符 3">
             <a:extLst>
               <a:ext uri="{FF2B5EF4-FFF2-40B4-BE49-F238E27FC236}">
-                <a16:creationId xmlns:a16="http://schemas.microsoft.com/office/drawing/2014/main" id="{695B4FA1-93FF-CDD2-A0E7-036482DB80E0}"/>
+                <a16:creationId xmlns:a16="http://schemas.microsoft.com/office/drawing/2014/main" id="{12610251-F865-DB5B-C507-EB0F77CE93E0}"/>
               </a:ext>
             </a:extLst>
           </p:cNvPr>
@@ -252,7 +252,7 @@
           <a:bodyPr/>
           <a:lstStyle/>
           <a:p>
-            <a:fld id="{5D01B25E-1865-49C7-9A21-448134E438B4}" type="datetimeFigureOut">
+            <a:fld id="{17400533-A380-48F1-BF07-899CB877B3FD}" type="datetimeFigureOut">
               <a:rPr lang="zh-CN" altLang="en-US" smtClean="0"/>
               <a:t>2024/3/10</a:t>
             </a:fld>
@@ -265,7 +265,7 @@
           <p:cNvPr id="5" name="页脚占位符 4">
             <a:extLst>
               <a:ext uri="{FF2B5EF4-FFF2-40B4-BE49-F238E27FC236}">
-                <a16:creationId xmlns:a16="http://schemas.microsoft.com/office/drawing/2014/main" id="{6CECA21D-9A98-23E3-A6FE-91D6B74D46BD}"/>
+                <a16:creationId xmlns:a16="http://schemas.microsoft.com/office/drawing/2014/main" id="{2C7FFB26-2027-B29E-3E89-1DD1BEE3FB95}"/>
               </a:ext>
             </a:extLst>
           </p:cNvPr>
@@ -290,7 +290,7 @@
           <p:cNvPr id="6" name="灯片编号占位符 5">
             <a:extLst>
               <a:ext uri="{FF2B5EF4-FFF2-40B4-BE49-F238E27FC236}">
-                <a16:creationId xmlns:a16="http://schemas.microsoft.com/office/drawing/2014/main" id="{06757C6B-7985-93F5-DBF6-36C338674F55}"/>
+                <a16:creationId xmlns:a16="http://schemas.microsoft.com/office/drawing/2014/main" id="{133294AC-F0C3-BECE-A8DF-2E556FA44560}"/>
               </a:ext>
             </a:extLst>
           </p:cNvPr>
@@ -306,7 +306,7 @@
           <a:bodyPr/>
           <a:lstStyle/>
           <a:p>
-            <a:fld id="{7D155CF2-113A-4801-80C7-3F69AA440431}" type="slidenum">
+            <a:fld id="{5E1249CF-8F2D-431F-A876-28B5049C8930}" type="slidenum">
               <a:rPr lang="zh-CN" altLang="en-US" smtClean="0"/>
               <a:t>‹#›</a:t>
             </a:fld>
@@ -317,7 +317,7 @@
     </p:spTree>
     <p:extLst>
       <p:ext uri="{BB962C8B-B14F-4D97-AF65-F5344CB8AC3E}">
-        <p14:creationId xmlns:p14="http://schemas.microsoft.com/office/powerpoint/2010/main" val="352463791"/>
+        <p14:creationId xmlns:p14="http://schemas.microsoft.com/office/powerpoint/2010/main" val="814934524"/>
       </p:ext>
     </p:extLst>
   </p:cSld>
@@ -349,7 +349,7 @@
           <p:cNvPr id="2" name="标题 1">
             <a:extLst>
               <a:ext uri="{FF2B5EF4-FFF2-40B4-BE49-F238E27FC236}">
-                <a16:creationId xmlns:a16="http://schemas.microsoft.com/office/drawing/2014/main" id="{72A207BB-0CE6-E12C-9EB3-DC5DE7926ADC}"/>
+                <a16:creationId xmlns:a16="http://schemas.microsoft.com/office/drawing/2014/main" id="{438ED620-A86C-0DF9-6A01-6BED5D7864AE}"/>
               </a:ext>
             </a:extLst>
           </p:cNvPr>
@@ -377,7 +377,7 @@
           <p:cNvPr id="3" name="竖排文字占位符 2">
             <a:extLst>
               <a:ext uri="{FF2B5EF4-FFF2-40B4-BE49-F238E27FC236}">
-                <a16:creationId xmlns:a16="http://schemas.microsoft.com/office/drawing/2014/main" id="{91FD043F-2EB9-3CEE-01C1-82EB9D9F1C25}"/>
+                <a16:creationId xmlns:a16="http://schemas.microsoft.com/office/drawing/2014/main" id="{5EDA0A8C-0E25-FE22-8EB4-E6E907F90DA3}"/>
               </a:ext>
             </a:extLst>
           </p:cNvPr>
@@ -434,7 +434,7 @@
           <p:cNvPr id="4" name="日期占位符 3">
             <a:extLst>
               <a:ext uri="{FF2B5EF4-FFF2-40B4-BE49-F238E27FC236}">
-                <a16:creationId xmlns:a16="http://schemas.microsoft.com/office/drawing/2014/main" id="{93EF85DA-1D04-905D-4FD3-621B61FA1CE5}"/>
+                <a16:creationId xmlns:a16="http://schemas.microsoft.com/office/drawing/2014/main" id="{61A6DAE5-AAC5-9069-852D-161E0ACC8AE6}"/>
               </a:ext>
             </a:extLst>
           </p:cNvPr>
@@ -450,7 +450,7 @@
           <a:bodyPr/>
           <a:lstStyle/>
           <a:p>
-            <a:fld id="{5D01B25E-1865-49C7-9A21-448134E438B4}" type="datetimeFigureOut">
+            <a:fld id="{17400533-A380-48F1-BF07-899CB877B3FD}" type="datetimeFigureOut">
               <a:rPr lang="zh-CN" altLang="en-US" smtClean="0"/>
               <a:t>2024/3/10</a:t>
             </a:fld>
@@ -463,7 +463,7 @@
           <p:cNvPr id="5" name="页脚占位符 4">
             <a:extLst>
               <a:ext uri="{FF2B5EF4-FFF2-40B4-BE49-F238E27FC236}">
-                <a16:creationId xmlns:a16="http://schemas.microsoft.com/office/drawing/2014/main" id="{A1A0AF84-3B90-6295-AF9C-19D80A397C02}"/>
+                <a16:creationId xmlns:a16="http://schemas.microsoft.com/office/drawing/2014/main" id="{592416A3-C615-8F72-A6DF-5BEE27029729}"/>
               </a:ext>
             </a:extLst>
           </p:cNvPr>
@@ -488,7 +488,7 @@
           <p:cNvPr id="6" name="灯片编号占位符 5">
             <a:extLst>
               <a:ext uri="{FF2B5EF4-FFF2-40B4-BE49-F238E27FC236}">
-                <a16:creationId xmlns:a16="http://schemas.microsoft.com/office/drawing/2014/main" id="{9510BE60-1F25-EB57-A773-58346988B259}"/>
+                <a16:creationId xmlns:a16="http://schemas.microsoft.com/office/drawing/2014/main" id="{B9B432EF-05E1-0834-60C5-08678EA683B4}"/>
               </a:ext>
             </a:extLst>
           </p:cNvPr>
@@ -504,7 +504,7 @@
           <a:bodyPr/>
           <a:lstStyle/>
           <a:p>
-            <a:fld id="{7D155CF2-113A-4801-80C7-3F69AA440431}" type="slidenum">
+            <a:fld id="{5E1249CF-8F2D-431F-A876-28B5049C8930}" type="slidenum">
               <a:rPr lang="zh-CN" altLang="en-US" smtClean="0"/>
               <a:t>‹#›</a:t>
             </a:fld>
@@ -515,7 +515,7 @@
     </p:spTree>
     <p:extLst>
       <p:ext uri="{BB962C8B-B14F-4D97-AF65-F5344CB8AC3E}">
-        <p14:creationId xmlns:p14="http://schemas.microsoft.com/office/powerpoint/2010/main" val="1116956896"/>
+        <p14:creationId xmlns:p14="http://schemas.microsoft.com/office/powerpoint/2010/main" val="1334385499"/>
       </p:ext>
     </p:extLst>
   </p:cSld>
@@ -547,7 +547,7 @@
           <p:cNvPr id="2" name="竖排标题 1">
             <a:extLst>
               <a:ext uri="{FF2B5EF4-FFF2-40B4-BE49-F238E27FC236}">
-                <a16:creationId xmlns:a16="http://schemas.microsoft.com/office/drawing/2014/main" id="{C2ADB057-E88C-BE2A-7AC7-F8CC99714393}"/>
+                <a16:creationId xmlns:a16="http://schemas.microsoft.com/office/drawing/2014/main" id="{DAFA7204-1BD9-8D54-D8C1-0F2802FDEF08}"/>
               </a:ext>
             </a:extLst>
           </p:cNvPr>
@@ -580,7 +580,7 @@
           <p:cNvPr id="3" name="竖排文字占位符 2">
             <a:extLst>
               <a:ext uri="{FF2B5EF4-FFF2-40B4-BE49-F238E27FC236}">
-                <a16:creationId xmlns:a16="http://schemas.microsoft.com/office/drawing/2014/main" id="{D8993121-C722-FEC3-3EB9-DECA4A1646DA}"/>
+                <a16:creationId xmlns:a16="http://schemas.microsoft.com/office/drawing/2014/main" id="{884D1F6A-01CC-AA6D-AD3E-6E6D268B0EA7}"/>
               </a:ext>
             </a:extLst>
           </p:cNvPr>
@@ -642,7 +642,7 @@
           <p:cNvPr id="4" name="日期占位符 3">
             <a:extLst>
               <a:ext uri="{FF2B5EF4-FFF2-40B4-BE49-F238E27FC236}">
-                <a16:creationId xmlns:a16="http://schemas.microsoft.com/office/drawing/2014/main" id="{62866462-8A4F-A934-F348-F44CAF9F94DD}"/>
+                <a16:creationId xmlns:a16="http://schemas.microsoft.com/office/drawing/2014/main" id="{011BA19D-DB25-CF6E-C019-088AA232554F}"/>
               </a:ext>
             </a:extLst>
           </p:cNvPr>
@@ -658,7 +658,7 @@
           <a:bodyPr/>
           <a:lstStyle/>
           <a:p>
-            <a:fld id="{5D01B25E-1865-49C7-9A21-448134E438B4}" type="datetimeFigureOut">
+            <a:fld id="{17400533-A380-48F1-BF07-899CB877B3FD}" type="datetimeFigureOut">
               <a:rPr lang="zh-CN" altLang="en-US" smtClean="0"/>
               <a:t>2024/3/10</a:t>
             </a:fld>
@@ -671,7 +671,7 @@
           <p:cNvPr id="5" name="页脚占位符 4">
             <a:extLst>
               <a:ext uri="{FF2B5EF4-FFF2-40B4-BE49-F238E27FC236}">
-                <a16:creationId xmlns:a16="http://schemas.microsoft.com/office/drawing/2014/main" id="{CF566FFC-2528-67F3-22DC-345632334EFE}"/>
+                <a16:creationId xmlns:a16="http://schemas.microsoft.com/office/drawing/2014/main" id="{E0953C68-C559-B426-3039-A604005650F4}"/>
               </a:ext>
             </a:extLst>
           </p:cNvPr>
@@ -696,7 +696,7 @@
           <p:cNvPr id="6" name="灯片编号占位符 5">
             <a:extLst>
               <a:ext uri="{FF2B5EF4-FFF2-40B4-BE49-F238E27FC236}">
-                <a16:creationId xmlns:a16="http://schemas.microsoft.com/office/drawing/2014/main" id="{16DBD2B4-7687-74E1-36CD-2175AD6184EC}"/>
+                <a16:creationId xmlns:a16="http://schemas.microsoft.com/office/drawing/2014/main" id="{7E9BE5A8-97D1-3197-4BC0-9EC5821FD173}"/>
               </a:ext>
             </a:extLst>
           </p:cNvPr>
@@ -712,7 +712,7 @@
           <a:bodyPr/>
           <a:lstStyle/>
           <a:p>
-            <a:fld id="{7D155CF2-113A-4801-80C7-3F69AA440431}" type="slidenum">
+            <a:fld id="{5E1249CF-8F2D-431F-A876-28B5049C8930}" type="slidenum">
               <a:rPr lang="zh-CN" altLang="en-US" smtClean="0"/>
               <a:t>‹#›</a:t>
             </a:fld>
@@ -723,7 +723,7 @@
     </p:spTree>
     <p:extLst>
       <p:ext uri="{BB962C8B-B14F-4D97-AF65-F5344CB8AC3E}">
-        <p14:creationId xmlns:p14="http://schemas.microsoft.com/office/powerpoint/2010/main" val="1229405079"/>
+        <p14:creationId xmlns:p14="http://schemas.microsoft.com/office/powerpoint/2010/main" val="2990772873"/>
       </p:ext>
     </p:extLst>
   </p:cSld>
@@ -755,7 +755,7 @@
           <p:cNvPr id="2" name="标题 1">
             <a:extLst>
               <a:ext uri="{FF2B5EF4-FFF2-40B4-BE49-F238E27FC236}">
-                <a16:creationId xmlns:a16="http://schemas.microsoft.com/office/drawing/2014/main" id="{50418AE5-1CD2-0B83-C87B-86E24D033ABC}"/>
+                <a16:creationId xmlns:a16="http://schemas.microsoft.com/office/drawing/2014/main" id="{E57E7DB0-DB67-DE13-0045-F4D4AB001950}"/>
               </a:ext>
             </a:extLst>
           </p:cNvPr>
@@ -783,7 +783,7 @@
           <p:cNvPr id="3" name="内容占位符 2">
             <a:extLst>
               <a:ext uri="{FF2B5EF4-FFF2-40B4-BE49-F238E27FC236}">
-                <a16:creationId xmlns:a16="http://schemas.microsoft.com/office/drawing/2014/main" id="{BA43F6EC-F513-2B74-F11D-14C2131BDFB3}"/>
+                <a16:creationId xmlns:a16="http://schemas.microsoft.com/office/drawing/2014/main" id="{F5F196B9-33C6-102C-9C8A-736E676A3BC2}"/>
               </a:ext>
             </a:extLst>
           </p:cNvPr>
@@ -840,7 +840,7 @@
           <p:cNvPr id="4" name="日期占位符 3">
             <a:extLst>
               <a:ext uri="{FF2B5EF4-FFF2-40B4-BE49-F238E27FC236}">
-                <a16:creationId xmlns:a16="http://schemas.microsoft.com/office/drawing/2014/main" id="{B6F84632-A731-717B-369D-19685E2215E3}"/>
+                <a16:creationId xmlns:a16="http://schemas.microsoft.com/office/drawing/2014/main" id="{4296E469-98CE-1430-C6F8-05671C54778D}"/>
               </a:ext>
             </a:extLst>
           </p:cNvPr>
@@ -856,7 +856,7 @@
           <a:bodyPr/>
           <a:lstStyle/>
           <a:p>
-            <a:fld id="{5D01B25E-1865-49C7-9A21-448134E438B4}" type="datetimeFigureOut">
+            <a:fld id="{17400533-A380-48F1-BF07-899CB877B3FD}" type="datetimeFigureOut">
               <a:rPr lang="zh-CN" altLang="en-US" smtClean="0"/>
               <a:t>2024/3/10</a:t>
             </a:fld>
@@ -869,7 +869,7 @@
           <p:cNvPr id="5" name="页脚占位符 4">
             <a:extLst>
               <a:ext uri="{FF2B5EF4-FFF2-40B4-BE49-F238E27FC236}">
-                <a16:creationId xmlns:a16="http://schemas.microsoft.com/office/drawing/2014/main" id="{53A249F6-FB21-820A-94CE-13B0A5B43212}"/>
+                <a16:creationId xmlns:a16="http://schemas.microsoft.com/office/drawing/2014/main" id="{7ADD2B84-E7F5-37CE-8253-AACCB76F8F09}"/>
               </a:ext>
             </a:extLst>
           </p:cNvPr>
@@ -894,7 +894,7 @@
           <p:cNvPr id="6" name="灯片编号占位符 5">
             <a:extLst>
               <a:ext uri="{FF2B5EF4-FFF2-40B4-BE49-F238E27FC236}">
-                <a16:creationId xmlns:a16="http://schemas.microsoft.com/office/drawing/2014/main" id="{5AED8FF1-F122-DB25-2E5D-643BE0AEB597}"/>
+                <a16:creationId xmlns:a16="http://schemas.microsoft.com/office/drawing/2014/main" id="{AA788871-6961-B9A0-CB34-3A7941D01913}"/>
               </a:ext>
             </a:extLst>
           </p:cNvPr>
@@ -910,7 +910,7 @@
           <a:bodyPr/>
           <a:lstStyle/>
           <a:p>
-            <a:fld id="{7D155CF2-113A-4801-80C7-3F69AA440431}" type="slidenum">
+            <a:fld id="{5E1249CF-8F2D-431F-A876-28B5049C8930}" type="slidenum">
               <a:rPr lang="zh-CN" altLang="en-US" smtClean="0"/>
               <a:t>‹#›</a:t>
             </a:fld>
@@ -921,7 +921,7 @@
     </p:spTree>
     <p:extLst>
       <p:ext uri="{BB962C8B-B14F-4D97-AF65-F5344CB8AC3E}">
-        <p14:creationId xmlns:p14="http://schemas.microsoft.com/office/powerpoint/2010/main" val="2941410077"/>
+        <p14:creationId xmlns:p14="http://schemas.microsoft.com/office/powerpoint/2010/main" val="2129530130"/>
       </p:ext>
     </p:extLst>
   </p:cSld>
@@ -953,7 +953,7 @@
           <p:cNvPr id="2" name="标题 1">
             <a:extLst>
               <a:ext uri="{FF2B5EF4-FFF2-40B4-BE49-F238E27FC236}">
-                <a16:creationId xmlns:a16="http://schemas.microsoft.com/office/drawing/2014/main" id="{AEFB273E-567C-1126-F056-21C839DB0D68}"/>
+                <a16:creationId xmlns:a16="http://schemas.microsoft.com/office/drawing/2014/main" id="{F16AE825-A8E2-9D26-FCDB-27947C8FF955}"/>
               </a:ext>
             </a:extLst>
           </p:cNvPr>
@@ -990,7 +990,7 @@
           <p:cNvPr id="3" name="文本占位符 2">
             <a:extLst>
               <a:ext uri="{FF2B5EF4-FFF2-40B4-BE49-F238E27FC236}">
-                <a16:creationId xmlns:a16="http://schemas.microsoft.com/office/drawing/2014/main" id="{86D0EA15-DE4D-4F2E-658E-3E60B352E39D}"/>
+                <a16:creationId xmlns:a16="http://schemas.microsoft.com/office/drawing/2014/main" id="{D65C1B42-2DCE-9A35-A2C5-716845435B0E}"/>
               </a:ext>
             </a:extLst>
           </p:cNvPr>
@@ -1115,7 +1115,7 @@
           <p:cNvPr id="4" name="日期占位符 3">
             <a:extLst>
               <a:ext uri="{FF2B5EF4-FFF2-40B4-BE49-F238E27FC236}">
-                <a16:creationId xmlns:a16="http://schemas.microsoft.com/office/drawing/2014/main" id="{24A67741-5E4E-1C97-5A4C-6B6C1F79F38E}"/>
+                <a16:creationId xmlns:a16="http://schemas.microsoft.com/office/drawing/2014/main" id="{910E5BA4-FA2F-4B2D-7C21-5028705468BC}"/>
               </a:ext>
             </a:extLst>
           </p:cNvPr>
@@ -1131,7 +1131,7 @@
           <a:bodyPr/>
           <a:lstStyle/>
           <a:p>
-            <a:fld id="{5D01B25E-1865-49C7-9A21-448134E438B4}" type="datetimeFigureOut">
+            <a:fld id="{17400533-A380-48F1-BF07-899CB877B3FD}" type="datetimeFigureOut">
               <a:rPr lang="zh-CN" altLang="en-US" smtClean="0"/>
               <a:t>2024/3/10</a:t>
             </a:fld>
@@ -1144,7 +1144,7 @@
           <p:cNvPr id="5" name="页脚占位符 4">
             <a:extLst>
               <a:ext uri="{FF2B5EF4-FFF2-40B4-BE49-F238E27FC236}">
-                <a16:creationId xmlns:a16="http://schemas.microsoft.com/office/drawing/2014/main" id="{7C159940-0205-74C6-0933-A7F834E18C19}"/>
+                <a16:creationId xmlns:a16="http://schemas.microsoft.com/office/drawing/2014/main" id="{F99843C4-23E7-8855-821E-17A603D2AA94}"/>
               </a:ext>
             </a:extLst>
           </p:cNvPr>
@@ -1169,7 +1169,7 @@
           <p:cNvPr id="6" name="灯片编号占位符 5">
             <a:extLst>
               <a:ext uri="{FF2B5EF4-FFF2-40B4-BE49-F238E27FC236}">
-                <a16:creationId xmlns:a16="http://schemas.microsoft.com/office/drawing/2014/main" id="{F47DC364-ABE9-EB6A-75C2-465BA6C59AE5}"/>
+                <a16:creationId xmlns:a16="http://schemas.microsoft.com/office/drawing/2014/main" id="{04EC8F20-24A1-CF86-6F7F-19C77F1B69F0}"/>
               </a:ext>
             </a:extLst>
           </p:cNvPr>
@@ -1185,7 +1185,7 @@
           <a:bodyPr/>
           <a:lstStyle/>
           <a:p>
-            <a:fld id="{7D155CF2-113A-4801-80C7-3F69AA440431}" type="slidenum">
+            <a:fld id="{5E1249CF-8F2D-431F-A876-28B5049C8930}" type="slidenum">
               <a:rPr lang="zh-CN" altLang="en-US" smtClean="0"/>
               <a:t>‹#›</a:t>
             </a:fld>
@@ -1196,7 +1196,7 @@
     </p:spTree>
     <p:extLst>
       <p:ext uri="{BB962C8B-B14F-4D97-AF65-F5344CB8AC3E}">
-        <p14:creationId xmlns:p14="http://schemas.microsoft.com/office/powerpoint/2010/main" val="3883333736"/>
+        <p14:creationId xmlns:p14="http://schemas.microsoft.com/office/powerpoint/2010/main" val="542889461"/>
       </p:ext>
     </p:extLst>
   </p:cSld>
@@ -1228,7 +1228,7 @@
           <p:cNvPr id="2" name="标题 1">
             <a:extLst>
               <a:ext uri="{FF2B5EF4-FFF2-40B4-BE49-F238E27FC236}">
-                <a16:creationId xmlns:a16="http://schemas.microsoft.com/office/drawing/2014/main" id="{898BB51C-3BE5-DFC7-E53F-96A0E37826A0}"/>
+                <a16:creationId xmlns:a16="http://schemas.microsoft.com/office/drawing/2014/main" id="{CEF515F2-76D4-0657-0699-EB3E67D107CD}"/>
               </a:ext>
             </a:extLst>
           </p:cNvPr>
@@ -1256,7 +1256,7 @@
           <p:cNvPr id="3" name="内容占位符 2">
             <a:extLst>
               <a:ext uri="{FF2B5EF4-FFF2-40B4-BE49-F238E27FC236}">
-                <a16:creationId xmlns:a16="http://schemas.microsoft.com/office/drawing/2014/main" id="{E6376B9F-000C-1607-22D1-DFE28A7BBFCB}"/>
+                <a16:creationId xmlns:a16="http://schemas.microsoft.com/office/drawing/2014/main" id="{DEEB7E8C-91DE-A655-9610-3210B9250860}"/>
               </a:ext>
             </a:extLst>
           </p:cNvPr>
@@ -1318,7 +1318,7 @@
           <p:cNvPr id="4" name="内容占位符 3">
             <a:extLst>
               <a:ext uri="{FF2B5EF4-FFF2-40B4-BE49-F238E27FC236}">
-                <a16:creationId xmlns:a16="http://schemas.microsoft.com/office/drawing/2014/main" id="{87B5290B-BA5E-1D85-7716-DE9278D79B97}"/>
+                <a16:creationId xmlns:a16="http://schemas.microsoft.com/office/drawing/2014/main" id="{206452C3-3AC3-1C49-C73C-FEC5F3ACE291}"/>
               </a:ext>
             </a:extLst>
           </p:cNvPr>
@@ -1380,7 +1380,7 @@
           <p:cNvPr id="5" name="日期占位符 4">
             <a:extLst>
               <a:ext uri="{FF2B5EF4-FFF2-40B4-BE49-F238E27FC236}">
-                <a16:creationId xmlns:a16="http://schemas.microsoft.com/office/drawing/2014/main" id="{98CC7E4A-0F50-7764-CC4F-43718D127077}"/>
+                <a16:creationId xmlns:a16="http://schemas.microsoft.com/office/drawing/2014/main" id="{99266B66-4BAF-C16B-640F-B80D5221FF36}"/>
               </a:ext>
             </a:extLst>
           </p:cNvPr>
@@ -1396,7 +1396,7 @@
           <a:bodyPr/>
           <a:lstStyle/>
           <a:p>
-            <a:fld id="{5D01B25E-1865-49C7-9A21-448134E438B4}" type="datetimeFigureOut">
+            <a:fld id="{17400533-A380-48F1-BF07-899CB877B3FD}" type="datetimeFigureOut">
               <a:rPr lang="zh-CN" altLang="en-US" smtClean="0"/>
               <a:t>2024/3/10</a:t>
             </a:fld>
@@ -1409,7 +1409,7 @@
           <p:cNvPr id="6" name="页脚占位符 5">
             <a:extLst>
               <a:ext uri="{FF2B5EF4-FFF2-40B4-BE49-F238E27FC236}">
-                <a16:creationId xmlns:a16="http://schemas.microsoft.com/office/drawing/2014/main" id="{02177A80-D750-C03B-35A4-44D5A5349702}"/>
+                <a16:creationId xmlns:a16="http://schemas.microsoft.com/office/drawing/2014/main" id="{D4BDD238-F1E0-9C8B-C97F-CE7199336494}"/>
               </a:ext>
             </a:extLst>
           </p:cNvPr>
@@ -1434,7 +1434,7 @@
           <p:cNvPr id="7" name="灯片编号占位符 6">
             <a:extLst>
               <a:ext uri="{FF2B5EF4-FFF2-40B4-BE49-F238E27FC236}">
-                <a16:creationId xmlns:a16="http://schemas.microsoft.com/office/drawing/2014/main" id="{77ABC2AA-1BFF-02FF-20E8-82CDB864CF19}"/>
+                <a16:creationId xmlns:a16="http://schemas.microsoft.com/office/drawing/2014/main" id="{009DCB7A-6994-9A01-4DEF-413049C51F18}"/>
               </a:ext>
             </a:extLst>
           </p:cNvPr>
@@ -1450,7 +1450,7 @@
           <a:bodyPr/>
           <a:lstStyle/>
           <a:p>
-            <a:fld id="{7D155CF2-113A-4801-80C7-3F69AA440431}" type="slidenum">
+            <a:fld id="{5E1249CF-8F2D-431F-A876-28B5049C8930}" type="slidenum">
               <a:rPr lang="zh-CN" altLang="en-US" smtClean="0"/>
               <a:t>‹#›</a:t>
             </a:fld>
@@ -1461,7 +1461,7 @@
     </p:spTree>
     <p:extLst>
       <p:ext uri="{BB962C8B-B14F-4D97-AF65-F5344CB8AC3E}">
-        <p14:creationId xmlns:p14="http://schemas.microsoft.com/office/powerpoint/2010/main" val="3010342034"/>
+        <p14:creationId xmlns:p14="http://schemas.microsoft.com/office/powerpoint/2010/main" val="939388640"/>
       </p:ext>
     </p:extLst>
   </p:cSld>
@@ -1493,7 +1493,7 @@
           <p:cNvPr id="2" name="标题 1">
             <a:extLst>
               <a:ext uri="{FF2B5EF4-FFF2-40B4-BE49-F238E27FC236}">
-                <a16:creationId xmlns:a16="http://schemas.microsoft.com/office/drawing/2014/main" id="{A6243591-0E50-CDE7-69CA-3DA8840532FD}"/>
+                <a16:creationId xmlns:a16="http://schemas.microsoft.com/office/drawing/2014/main" id="{341CBEE5-111A-60D3-644A-2BAF1CE4B313}"/>
               </a:ext>
             </a:extLst>
           </p:cNvPr>
@@ -1526,7 +1526,7 @@
           <p:cNvPr id="3" name="文本占位符 2">
             <a:extLst>
               <a:ext uri="{FF2B5EF4-FFF2-40B4-BE49-F238E27FC236}">
-                <a16:creationId xmlns:a16="http://schemas.microsoft.com/office/drawing/2014/main" id="{860C094F-7653-236B-69A5-0ABA5D8C3C84}"/>
+                <a16:creationId xmlns:a16="http://schemas.microsoft.com/office/drawing/2014/main" id="{6AF805B8-92A1-2871-B710-F225D54D3714}"/>
               </a:ext>
             </a:extLst>
           </p:cNvPr>
@@ -1597,7 +1597,7 @@
           <p:cNvPr id="4" name="内容占位符 3">
             <a:extLst>
               <a:ext uri="{FF2B5EF4-FFF2-40B4-BE49-F238E27FC236}">
-                <a16:creationId xmlns:a16="http://schemas.microsoft.com/office/drawing/2014/main" id="{BB940368-B4D3-C56F-6FFF-7741385E913B}"/>
+                <a16:creationId xmlns:a16="http://schemas.microsoft.com/office/drawing/2014/main" id="{39553E45-916E-6E2A-391E-68FFC32451DA}"/>
               </a:ext>
             </a:extLst>
           </p:cNvPr>
@@ -1659,7 +1659,7 @@
           <p:cNvPr id="5" name="文本占位符 4">
             <a:extLst>
               <a:ext uri="{FF2B5EF4-FFF2-40B4-BE49-F238E27FC236}">
-                <a16:creationId xmlns:a16="http://schemas.microsoft.com/office/drawing/2014/main" id="{1A546175-E39E-41C6-4EA0-1BA00E7AFBF1}"/>
+                <a16:creationId xmlns:a16="http://schemas.microsoft.com/office/drawing/2014/main" id="{DB57D68F-5477-FFE2-57BF-F9BBA8DA9F1B}"/>
               </a:ext>
             </a:extLst>
           </p:cNvPr>
@@ -1730,7 +1730,7 @@
           <p:cNvPr id="6" name="内容占位符 5">
             <a:extLst>
               <a:ext uri="{FF2B5EF4-FFF2-40B4-BE49-F238E27FC236}">
-                <a16:creationId xmlns:a16="http://schemas.microsoft.com/office/drawing/2014/main" id="{084EC5A3-6E44-F9C4-019D-E0E175BAB75D}"/>
+                <a16:creationId xmlns:a16="http://schemas.microsoft.com/office/drawing/2014/main" id="{00EC17F6-2D7E-801E-1EAE-A7C022804161}"/>
               </a:ext>
             </a:extLst>
           </p:cNvPr>
@@ -1792,7 +1792,7 @@
           <p:cNvPr id="7" name="日期占位符 6">
             <a:extLst>
               <a:ext uri="{FF2B5EF4-FFF2-40B4-BE49-F238E27FC236}">
-                <a16:creationId xmlns:a16="http://schemas.microsoft.com/office/drawing/2014/main" id="{FB37C082-1E49-8DDD-B7E1-48D8BD30C35F}"/>
+                <a16:creationId xmlns:a16="http://schemas.microsoft.com/office/drawing/2014/main" id="{6780BC79-02DC-B926-FF87-E2198175554B}"/>
               </a:ext>
             </a:extLst>
           </p:cNvPr>
@@ -1808,7 +1808,7 @@
           <a:bodyPr/>
           <a:lstStyle/>
           <a:p>
-            <a:fld id="{5D01B25E-1865-49C7-9A21-448134E438B4}" type="datetimeFigureOut">
+            <a:fld id="{17400533-A380-48F1-BF07-899CB877B3FD}" type="datetimeFigureOut">
               <a:rPr lang="zh-CN" altLang="en-US" smtClean="0"/>
               <a:t>2024/3/10</a:t>
             </a:fld>
@@ -1821,7 +1821,7 @@
           <p:cNvPr id="8" name="页脚占位符 7">
             <a:extLst>
               <a:ext uri="{FF2B5EF4-FFF2-40B4-BE49-F238E27FC236}">
-                <a16:creationId xmlns:a16="http://schemas.microsoft.com/office/drawing/2014/main" id="{C58778C7-154E-5E1B-B156-3547B2501CAC}"/>
+                <a16:creationId xmlns:a16="http://schemas.microsoft.com/office/drawing/2014/main" id="{483EDD29-150C-0C3A-2125-A538FB3944A4}"/>
               </a:ext>
             </a:extLst>
           </p:cNvPr>
@@ -1846,7 +1846,7 @@
           <p:cNvPr id="9" name="灯片编号占位符 8">
             <a:extLst>
               <a:ext uri="{FF2B5EF4-FFF2-40B4-BE49-F238E27FC236}">
-                <a16:creationId xmlns:a16="http://schemas.microsoft.com/office/drawing/2014/main" id="{04E27C92-64C6-887B-977E-26AEDB0E853D}"/>
+                <a16:creationId xmlns:a16="http://schemas.microsoft.com/office/drawing/2014/main" id="{ED1E69C7-BFCB-D525-CC26-5B6DB4264D29}"/>
               </a:ext>
             </a:extLst>
           </p:cNvPr>
@@ -1862,7 +1862,7 @@
           <a:bodyPr/>
           <a:lstStyle/>
           <a:p>
-            <a:fld id="{7D155CF2-113A-4801-80C7-3F69AA440431}" type="slidenum">
+            <a:fld id="{5E1249CF-8F2D-431F-A876-28B5049C8930}" type="slidenum">
               <a:rPr lang="zh-CN" altLang="en-US" smtClean="0"/>
               <a:t>‹#›</a:t>
             </a:fld>
@@ -1873,7 +1873,7 @@
     </p:spTree>
     <p:extLst>
       <p:ext uri="{BB962C8B-B14F-4D97-AF65-F5344CB8AC3E}">
-        <p14:creationId xmlns:p14="http://schemas.microsoft.com/office/powerpoint/2010/main" val="3965835343"/>
+        <p14:creationId xmlns:p14="http://schemas.microsoft.com/office/powerpoint/2010/main" val="2117512720"/>
       </p:ext>
     </p:extLst>
   </p:cSld>
@@ -1905,7 +1905,7 @@
           <p:cNvPr id="2" name="标题 1">
             <a:extLst>
               <a:ext uri="{FF2B5EF4-FFF2-40B4-BE49-F238E27FC236}">
-                <a16:creationId xmlns:a16="http://schemas.microsoft.com/office/drawing/2014/main" id="{252A9548-9D7A-08B1-52B0-565A03DEAF9D}"/>
+                <a16:creationId xmlns:a16="http://schemas.microsoft.com/office/drawing/2014/main" id="{C79594B0-68DA-8660-3EAE-20A964E018E1}"/>
               </a:ext>
             </a:extLst>
           </p:cNvPr>
@@ -1933,7 +1933,7 @@
           <p:cNvPr id="3" name="日期占位符 2">
             <a:extLst>
               <a:ext uri="{FF2B5EF4-FFF2-40B4-BE49-F238E27FC236}">
-                <a16:creationId xmlns:a16="http://schemas.microsoft.com/office/drawing/2014/main" id="{4D8A20E1-F988-FC49-EA02-E6822B206C3D}"/>
+                <a16:creationId xmlns:a16="http://schemas.microsoft.com/office/drawing/2014/main" id="{EB8BB3FE-9246-E2E8-4B48-B560EABE7D6D}"/>
               </a:ext>
             </a:extLst>
           </p:cNvPr>
@@ -1949,7 +1949,7 @@
           <a:bodyPr/>
           <a:lstStyle/>
           <a:p>
-            <a:fld id="{5D01B25E-1865-49C7-9A21-448134E438B4}" type="datetimeFigureOut">
+            <a:fld id="{17400533-A380-48F1-BF07-899CB877B3FD}" type="datetimeFigureOut">
               <a:rPr lang="zh-CN" altLang="en-US" smtClean="0"/>
               <a:t>2024/3/10</a:t>
             </a:fld>
@@ -1962,7 +1962,7 @@
           <p:cNvPr id="4" name="页脚占位符 3">
             <a:extLst>
               <a:ext uri="{FF2B5EF4-FFF2-40B4-BE49-F238E27FC236}">
-                <a16:creationId xmlns:a16="http://schemas.microsoft.com/office/drawing/2014/main" id="{C0D46B79-22BA-E4AF-93E0-1A81666026E1}"/>
+                <a16:creationId xmlns:a16="http://schemas.microsoft.com/office/drawing/2014/main" id="{197FD45F-DDD2-0C7E-F872-6BD88B309372}"/>
               </a:ext>
             </a:extLst>
           </p:cNvPr>
@@ -1987,7 +1987,7 @@
           <p:cNvPr id="5" name="灯片编号占位符 4">
             <a:extLst>
               <a:ext uri="{FF2B5EF4-FFF2-40B4-BE49-F238E27FC236}">
-                <a16:creationId xmlns:a16="http://schemas.microsoft.com/office/drawing/2014/main" id="{98B3794A-BCC6-9B7C-E1D1-E85919EEEBA3}"/>
+                <a16:creationId xmlns:a16="http://schemas.microsoft.com/office/drawing/2014/main" id="{A1511510-2641-1677-B0BE-06424B42F2DC}"/>
               </a:ext>
             </a:extLst>
           </p:cNvPr>
@@ -2003,7 +2003,7 @@
           <a:bodyPr/>
           <a:lstStyle/>
           <a:p>
-            <a:fld id="{7D155CF2-113A-4801-80C7-3F69AA440431}" type="slidenum">
+            <a:fld id="{5E1249CF-8F2D-431F-A876-28B5049C8930}" type="slidenum">
               <a:rPr lang="zh-CN" altLang="en-US" smtClean="0"/>
               <a:t>‹#›</a:t>
             </a:fld>
@@ -2014,7 +2014,7 @@
     </p:spTree>
     <p:extLst>
       <p:ext uri="{BB962C8B-B14F-4D97-AF65-F5344CB8AC3E}">
-        <p14:creationId xmlns:p14="http://schemas.microsoft.com/office/powerpoint/2010/main" val="1065051137"/>
+        <p14:creationId xmlns:p14="http://schemas.microsoft.com/office/powerpoint/2010/main" val="178955866"/>
       </p:ext>
     </p:extLst>
   </p:cSld>
@@ -2046,7 +2046,7 @@
           <p:cNvPr id="2" name="日期占位符 1">
             <a:extLst>
               <a:ext uri="{FF2B5EF4-FFF2-40B4-BE49-F238E27FC236}">
-                <a16:creationId xmlns:a16="http://schemas.microsoft.com/office/drawing/2014/main" id="{15900727-2107-6E4B-F06D-FA92A834ACC0}"/>
+                <a16:creationId xmlns:a16="http://schemas.microsoft.com/office/drawing/2014/main" id="{6F822340-EF77-2F45-13B2-EB4A93119613}"/>
               </a:ext>
             </a:extLst>
           </p:cNvPr>
@@ -2062,7 +2062,7 @@
           <a:bodyPr/>
           <a:lstStyle/>
           <a:p>
-            <a:fld id="{5D01B25E-1865-49C7-9A21-448134E438B4}" type="datetimeFigureOut">
+            <a:fld id="{17400533-A380-48F1-BF07-899CB877B3FD}" type="datetimeFigureOut">
               <a:rPr lang="zh-CN" altLang="en-US" smtClean="0"/>
               <a:t>2024/3/10</a:t>
             </a:fld>
@@ -2075,7 +2075,7 @@
           <p:cNvPr id="3" name="页脚占位符 2">
             <a:extLst>
               <a:ext uri="{FF2B5EF4-FFF2-40B4-BE49-F238E27FC236}">
-                <a16:creationId xmlns:a16="http://schemas.microsoft.com/office/drawing/2014/main" id="{7F1B6363-1DE2-7BFC-5A7E-1871F0DE4A9B}"/>
+                <a16:creationId xmlns:a16="http://schemas.microsoft.com/office/drawing/2014/main" id="{A3BE3A49-6B88-CA3F-4C22-62EF74BC51EA}"/>
               </a:ext>
             </a:extLst>
           </p:cNvPr>
@@ -2100,7 +2100,7 @@
           <p:cNvPr id="4" name="灯片编号占位符 3">
             <a:extLst>
               <a:ext uri="{FF2B5EF4-FFF2-40B4-BE49-F238E27FC236}">
-                <a16:creationId xmlns:a16="http://schemas.microsoft.com/office/drawing/2014/main" id="{1385C6F7-F6EB-D930-2EE6-9C53CDA3EFE9}"/>
+                <a16:creationId xmlns:a16="http://schemas.microsoft.com/office/drawing/2014/main" id="{CA4095BC-63B2-AC14-D037-1A012ECB2190}"/>
               </a:ext>
             </a:extLst>
           </p:cNvPr>
@@ -2116,7 +2116,7 @@
           <a:bodyPr/>
           <a:lstStyle/>
           <a:p>
-            <a:fld id="{7D155CF2-113A-4801-80C7-3F69AA440431}" type="slidenum">
+            <a:fld id="{5E1249CF-8F2D-431F-A876-28B5049C8930}" type="slidenum">
               <a:rPr lang="zh-CN" altLang="en-US" smtClean="0"/>
               <a:t>‹#›</a:t>
             </a:fld>
@@ -2127,7 +2127,7 @@
     </p:spTree>
     <p:extLst>
       <p:ext uri="{BB962C8B-B14F-4D97-AF65-F5344CB8AC3E}">
-        <p14:creationId xmlns:p14="http://schemas.microsoft.com/office/powerpoint/2010/main" val="2025394530"/>
+        <p14:creationId xmlns:p14="http://schemas.microsoft.com/office/powerpoint/2010/main" val="1756220635"/>
       </p:ext>
     </p:extLst>
   </p:cSld>
@@ -2159,7 +2159,7 @@
           <p:cNvPr id="2" name="标题 1">
             <a:extLst>
               <a:ext uri="{FF2B5EF4-FFF2-40B4-BE49-F238E27FC236}">
-                <a16:creationId xmlns:a16="http://schemas.microsoft.com/office/drawing/2014/main" id="{4C503A3A-4DD9-EE6C-A6A3-8F404A277939}"/>
+                <a16:creationId xmlns:a16="http://schemas.microsoft.com/office/drawing/2014/main" id="{D0728A53-562B-7257-F39D-D9000253AA0C}"/>
               </a:ext>
             </a:extLst>
           </p:cNvPr>
@@ -2196,7 +2196,7 @@
           <p:cNvPr id="3" name="内容占位符 2">
             <a:extLst>
               <a:ext uri="{FF2B5EF4-FFF2-40B4-BE49-F238E27FC236}">
-                <a16:creationId xmlns:a16="http://schemas.microsoft.com/office/drawing/2014/main" id="{345BBFD4-7F56-48ED-52A0-53F35CF316D1}"/>
+                <a16:creationId xmlns:a16="http://schemas.microsoft.com/office/drawing/2014/main" id="{CF5DC145-AF99-0F13-6E9A-8A08378EECC2}"/>
               </a:ext>
             </a:extLst>
           </p:cNvPr>
@@ -2286,7 +2286,7 @@
           <p:cNvPr id="4" name="文本占位符 3">
             <a:extLst>
               <a:ext uri="{FF2B5EF4-FFF2-40B4-BE49-F238E27FC236}">
-                <a16:creationId xmlns:a16="http://schemas.microsoft.com/office/drawing/2014/main" id="{E9058EF5-3DDB-5E33-00EB-031AD2EA403A}"/>
+                <a16:creationId xmlns:a16="http://schemas.microsoft.com/office/drawing/2014/main" id="{26213355-B82B-213B-B448-65BEA405C8CA}"/>
               </a:ext>
             </a:extLst>
           </p:cNvPr>
@@ -2357,7 +2357,7 @@
           <p:cNvPr id="5" name="日期占位符 4">
             <a:extLst>
               <a:ext uri="{FF2B5EF4-FFF2-40B4-BE49-F238E27FC236}">
-                <a16:creationId xmlns:a16="http://schemas.microsoft.com/office/drawing/2014/main" id="{83C7B5E3-901B-30E6-A57A-E70BCCF57E6E}"/>
+                <a16:creationId xmlns:a16="http://schemas.microsoft.com/office/drawing/2014/main" id="{CF0F847B-DAC9-DE28-BE5F-C703557B553B}"/>
               </a:ext>
             </a:extLst>
           </p:cNvPr>
@@ -2373,7 +2373,7 @@
           <a:bodyPr/>
           <a:lstStyle/>
           <a:p>
-            <a:fld id="{5D01B25E-1865-49C7-9A21-448134E438B4}" type="datetimeFigureOut">
+            <a:fld id="{17400533-A380-48F1-BF07-899CB877B3FD}" type="datetimeFigureOut">
               <a:rPr lang="zh-CN" altLang="en-US" smtClean="0"/>
               <a:t>2024/3/10</a:t>
             </a:fld>
@@ -2386,7 +2386,7 @@
           <p:cNvPr id="6" name="页脚占位符 5">
             <a:extLst>
               <a:ext uri="{FF2B5EF4-FFF2-40B4-BE49-F238E27FC236}">
-                <a16:creationId xmlns:a16="http://schemas.microsoft.com/office/drawing/2014/main" id="{2667EA46-9A1E-8DBD-6150-C69C9B5839D0}"/>
+                <a16:creationId xmlns:a16="http://schemas.microsoft.com/office/drawing/2014/main" id="{91C66F34-76D9-3F54-9E68-8DA89E0A759F}"/>
               </a:ext>
             </a:extLst>
           </p:cNvPr>
@@ -2411,7 +2411,7 @@
           <p:cNvPr id="7" name="灯片编号占位符 6">
             <a:extLst>
               <a:ext uri="{FF2B5EF4-FFF2-40B4-BE49-F238E27FC236}">
-                <a16:creationId xmlns:a16="http://schemas.microsoft.com/office/drawing/2014/main" id="{680764D6-2631-570C-6832-F202518D6D46}"/>
+                <a16:creationId xmlns:a16="http://schemas.microsoft.com/office/drawing/2014/main" id="{743B31BF-7AB9-CED5-FFAC-AEEE4F6B9E11}"/>
               </a:ext>
             </a:extLst>
           </p:cNvPr>
@@ -2427,7 +2427,7 @@
           <a:bodyPr/>
           <a:lstStyle/>
           <a:p>
-            <a:fld id="{7D155CF2-113A-4801-80C7-3F69AA440431}" type="slidenum">
+            <a:fld id="{5E1249CF-8F2D-431F-A876-28B5049C8930}" type="slidenum">
               <a:rPr lang="zh-CN" altLang="en-US" smtClean="0"/>
               <a:t>‹#›</a:t>
             </a:fld>
@@ -2438,7 +2438,7 @@
     </p:spTree>
     <p:extLst>
       <p:ext uri="{BB962C8B-B14F-4D97-AF65-F5344CB8AC3E}">
-        <p14:creationId xmlns:p14="http://schemas.microsoft.com/office/powerpoint/2010/main" val="2966946291"/>
+        <p14:creationId xmlns:p14="http://schemas.microsoft.com/office/powerpoint/2010/main" val="1175936065"/>
       </p:ext>
     </p:extLst>
   </p:cSld>
@@ -2470,7 +2470,7 @@
           <p:cNvPr id="2" name="标题 1">
             <a:extLst>
               <a:ext uri="{FF2B5EF4-FFF2-40B4-BE49-F238E27FC236}">
-                <a16:creationId xmlns:a16="http://schemas.microsoft.com/office/drawing/2014/main" id="{E089D73D-AD4C-BD85-7DE0-1075FD39F50C}"/>
+                <a16:creationId xmlns:a16="http://schemas.microsoft.com/office/drawing/2014/main" id="{F1ECCD80-D4AD-9F9D-D226-1868997FBB8D}"/>
               </a:ext>
             </a:extLst>
           </p:cNvPr>
@@ -2507,7 +2507,7 @@
           <p:cNvPr id="3" name="图片占位符 2">
             <a:extLst>
               <a:ext uri="{FF2B5EF4-FFF2-40B4-BE49-F238E27FC236}">
-                <a16:creationId xmlns:a16="http://schemas.microsoft.com/office/drawing/2014/main" id="{09B15222-452B-CE1F-E945-DC0853264715}"/>
+                <a16:creationId xmlns:a16="http://schemas.microsoft.com/office/drawing/2014/main" id="{0F34107C-6B8B-B784-E992-75DBC2BFCAE9}"/>
               </a:ext>
             </a:extLst>
           </p:cNvPr>
@@ -2574,7 +2574,7 @@
           <p:cNvPr id="4" name="文本占位符 3">
             <a:extLst>
               <a:ext uri="{FF2B5EF4-FFF2-40B4-BE49-F238E27FC236}">
-                <a16:creationId xmlns:a16="http://schemas.microsoft.com/office/drawing/2014/main" id="{FC81FE44-CB12-BBC5-D945-965859FC376E}"/>
+                <a16:creationId xmlns:a16="http://schemas.microsoft.com/office/drawing/2014/main" id="{5F0305EE-B9D7-FE56-761C-84C38F23819E}"/>
               </a:ext>
             </a:extLst>
           </p:cNvPr>
@@ -2645,7 +2645,7 @@
           <p:cNvPr id="5" name="日期占位符 4">
             <a:extLst>
               <a:ext uri="{FF2B5EF4-FFF2-40B4-BE49-F238E27FC236}">
-                <a16:creationId xmlns:a16="http://schemas.microsoft.com/office/drawing/2014/main" id="{BDA715C7-BA01-0B8C-BF37-4CE0F65DC79B}"/>
+                <a16:creationId xmlns:a16="http://schemas.microsoft.com/office/drawing/2014/main" id="{7793F2C6-F1B5-98AB-2973-BC07573FACC2}"/>
               </a:ext>
             </a:extLst>
           </p:cNvPr>
@@ -2661,7 +2661,7 @@
           <a:bodyPr/>
           <a:lstStyle/>
           <a:p>
-            <a:fld id="{5D01B25E-1865-49C7-9A21-448134E438B4}" type="datetimeFigureOut">
+            <a:fld id="{17400533-A380-48F1-BF07-899CB877B3FD}" type="datetimeFigureOut">
               <a:rPr lang="zh-CN" altLang="en-US" smtClean="0"/>
               <a:t>2024/3/10</a:t>
             </a:fld>
@@ -2674,7 +2674,7 @@
           <p:cNvPr id="6" name="页脚占位符 5">
             <a:extLst>
               <a:ext uri="{FF2B5EF4-FFF2-40B4-BE49-F238E27FC236}">
-                <a16:creationId xmlns:a16="http://schemas.microsoft.com/office/drawing/2014/main" id="{613EA565-D6DE-68AA-56E1-6CAE121CFF72}"/>
+                <a16:creationId xmlns:a16="http://schemas.microsoft.com/office/drawing/2014/main" id="{E9290025-A2A4-0A15-48A0-AF5657483FE3}"/>
               </a:ext>
             </a:extLst>
           </p:cNvPr>
@@ -2699,7 +2699,7 @@
           <p:cNvPr id="7" name="灯片编号占位符 6">
             <a:extLst>
               <a:ext uri="{FF2B5EF4-FFF2-40B4-BE49-F238E27FC236}">
-                <a16:creationId xmlns:a16="http://schemas.microsoft.com/office/drawing/2014/main" id="{182E6E49-5273-4A09-780F-7D180C65925F}"/>
+                <a16:creationId xmlns:a16="http://schemas.microsoft.com/office/drawing/2014/main" id="{5CC08512-7BA3-940D-3380-2185A5492953}"/>
               </a:ext>
             </a:extLst>
           </p:cNvPr>
@@ -2715,7 +2715,7 @@
           <a:bodyPr/>
           <a:lstStyle/>
           <a:p>
-            <a:fld id="{7D155CF2-113A-4801-80C7-3F69AA440431}" type="slidenum">
+            <a:fld id="{5E1249CF-8F2D-431F-A876-28B5049C8930}" type="slidenum">
               <a:rPr lang="zh-CN" altLang="en-US" smtClean="0"/>
               <a:t>‹#›</a:t>
             </a:fld>
@@ -2726,7 +2726,7 @@
     </p:spTree>
     <p:extLst>
       <p:ext uri="{BB962C8B-B14F-4D97-AF65-F5344CB8AC3E}">
-        <p14:creationId xmlns:p14="http://schemas.microsoft.com/office/powerpoint/2010/main" val="3430580464"/>
+        <p14:creationId xmlns:p14="http://schemas.microsoft.com/office/powerpoint/2010/main" val="2538633525"/>
       </p:ext>
     </p:extLst>
   </p:cSld>
@@ -2763,7 +2763,7 @@
           <p:cNvPr id="2" name="标题占位符 1">
             <a:extLst>
               <a:ext uri="{FF2B5EF4-FFF2-40B4-BE49-F238E27FC236}">
-                <a16:creationId xmlns:a16="http://schemas.microsoft.com/office/drawing/2014/main" id="{886AB017-00BC-C5FA-A90A-6B6B9634EBCF}"/>
+                <a16:creationId xmlns:a16="http://schemas.microsoft.com/office/drawing/2014/main" id="{70DFF2B8-217E-417D-DF12-FE46F9B49B8E}"/>
               </a:ext>
             </a:extLst>
           </p:cNvPr>
@@ -2801,7 +2801,7 @@
           <p:cNvPr id="3" name="文本占位符 2">
             <a:extLst>
               <a:ext uri="{FF2B5EF4-FFF2-40B4-BE49-F238E27FC236}">
-                <a16:creationId xmlns:a16="http://schemas.microsoft.com/office/drawing/2014/main" id="{F5D0C6AB-51E6-AB4C-EC6C-4D641E871B5C}"/>
+                <a16:creationId xmlns:a16="http://schemas.microsoft.com/office/drawing/2014/main" id="{E73AC8AD-7EF3-A83F-D09D-9B106733BAF9}"/>
               </a:ext>
             </a:extLst>
           </p:cNvPr>
@@ -2868,7 +2868,7 @@
           <p:cNvPr id="4" name="日期占位符 3">
             <a:extLst>
               <a:ext uri="{FF2B5EF4-FFF2-40B4-BE49-F238E27FC236}">
-                <a16:creationId xmlns:a16="http://schemas.microsoft.com/office/drawing/2014/main" id="{63D9F6C6-B218-0DA5-050A-5B821A94D448}"/>
+                <a16:creationId xmlns:a16="http://schemas.microsoft.com/office/drawing/2014/main" id="{E7B79239-5A77-1286-5CE0-08F4075200AC}"/>
               </a:ext>
             </a:extLst>
           </p:cNvPr>
@@ -2902,7 +2902,7 @@
             </a:lvl1pPr>
           </a:lstStyle>
           <a:p>
-            <a:fld id="{5D01B25E-1865-49C7-9A21-448134E438B4}" type="datetimeFigureOut">
+            <a:fld id="{17400533-A380-48F1-BF07-899CB877B3FD}" type="datetimeFigureOut">
               <a:rPr lang="zh-CN" altLang="en-US" smtClean="0"/>
               <a:t>2024/3/10</a:t>
             </a:fld>
@@ -2915,7 +2915,7 @@
           <p:cNvPr id="5" name="页脚占位符 4">
             <a:extLst>
               <a:ext uri="{FF2B5EF4-FFF2-40B4-BE49-F238E27FC236}">
-                <a16:creationId xmlns:a16="http://schemas.microsoft.com/office/drawing/2014/main" id="{A898468D-70A2-F41D-477B-FB8849C5C112}"/>
+                <a16:creationId xmlns:a16="http://schemas.microsoft.com/office/drawing/2014/main" id="{3595E534-F3D9-2803-DAD9-89DE86D51750}"/>
               </a:ext>
             </a:extLst>
           </p:cNvPr>
@@ -2958,7 +2958,7 @@
           <p:cNvPr id="6" name="灯片编号占位符 5">
             <a:extLst>
               <a:ext uri="{FF2B5EF4-FFF2-40B4-BE49-F238E27FC236}">
-                <a16:creationId xmlns:a16="http://schemas.microsoft.com/office/drawing/2014/main" id="{0CF5E47A-47B4-7997-B937-60B07A985318}"/>
+                <a16:creationId xmlns:a16="http://schemas.microsoft.com/office/drawing/2014/main" id="{88BDB6A4-B646-B1CB-BB54-C07BB3A365EA}"/>
               </a:ext>
             </a:extLst>
           </p:cNvPr>
@@ -2992,7 +2992,7 @@
             </a:lvl1pPr>
           </a:lstStyle>
           <a:p>
-            <a:fld id="{7D155CF2-113A-4801-80C7-3F69AA440431}" type="slidenum">
+            <a:fld id="{5E1249CF-8F2D-431F-A876-28B5049C8930}" type="slidenum">
               <a:rPr lang="zh-CN" altLang="en-US" smtClean="0"/>
               <a:t>‹#›</a:t>
             </a:fld>
@@ -3003,7 +3003,7 @@
     </p:spTree>
     <p:extLst>
       <p:ext uri="{BB962C8B-B14F-4D97-AF65-F5344CB8AC3E}">
-        <p14:creationId xmlns:p14="http://schemas.microsoft.com/office/powerpoint/2010/main" val="2204252270"/>
+        <p14:creationId xmlns:p14="http://schemas.microsoft.com/office/powerpoint/2010/main" val="190757932"/>
       </p:ext>
     </p:extLst>
   </p:cSld>
@@ -3323,7 +3323,7 @@
       </p:grpSpPr>
       <p:pic>
         <p:nvPicPr>
-          <p:cNvPr id="1022978" name="Picture 2" descr="998"/>
+          <p:cNvPr id="1024002" name="Picture 2" descr="999"/>
           <p:cNvPicPr>
             <a:picLocks noChangeAspect="1" noChangeArrowheads="1"/>
           </p:cNvPicPr>
@@ -3375,158 +3375,11 @@
           </a:extLst>
         </p:spPr>
       </p:pic>
-      <p:pic>
-        <p:nvPicPr>
-          <p:cNvPr id="1024003" name="Picture 3" descr="998-2"/>
-          <p:cNvPicPr>
-            <a:picLocks noChangeAspect="1" noChangeArrowheads="1"/>
-          </p:cNvPicPr>
-          <p:nvPr/>
-        </p:nvPicPr>
-        <p:blipFill>
-          <a:blip r:embed="rId3">
-            <a:extLst>
-              <a:ext uri="{28A0092B-C50C-407E-A947-70E740481C1C}">
-                <a14:useLocalDpi xmlns:a14="http://schemas.microsoft.com/office/drawing/2010/main" val="0"/>
-              </a:ext>
-            </a:extLst>
-          </a:blip>
-          <a:srcRect/>
-          <a:stretch>
-            <a:fillRect/>
-          </a:stretch>
-        </p:blipFill>
-        <p:spPr bwMode="auto">
-          <a:xfrm>
-            <a:off x="1560513" y="0"/>
-            <a:ext cx="9144000" cy="6858000"/>
-          </a:xfrm>
-          <a:prstGeom prst="rect">
-            <a:avLst/>
-          </a:prstGeom>
-          <a:noFill/>
-          <a:ln>
-            <a:noFill/>
-          </a:ln>
-          <a:effectLst/>
-          <a:extLst>
-            <a:ext uri="{909E8E84-426E-40DD-AFC4-6F175D3DCCD1}">
-              <a14:hiddenFill xmlns:a14="http://schemas.microsoft.com/office/drawing/2010/main">
-                <a:solidFill>
-                  <a:srgbClr val="FFFFFF"/>
-                </a:solidFill>
-              </a14:hiddenFill>
-            </a:ext>
-            <a:ext uri="{91240B29-F687-4F45-9708-019B960494DF}">
-              <a14:hiddenLine xmlns:a14="http://schemas.microsoft.com/office/drawing/2010/main" w="9525">
-                <a:solidFill>
-                  <a:srgbClr val="000000"/>
-                </a:solidFill>
-                <a:miter lim="800000"/>
-                <a:headEnd/>
-                <a:tailEnd/>
-              </a14:hiddenLine>
-            </a:ext>
-            <a:ext uri="{AF507438-7753-43E0-B8FC-AC1667EBCBE1}">
-              <a14:hiddenEffects xmlns:a14="http://schemas.microsoft.com/office/drawing/2010/main">
-                <a:effectLst>
-                  <a:outerShdw dist="35921" dir="2700000" algn="ctr" rotWithShape="0">
-                    <a:srgbClr val="808080"/>
-                  </a:outerShdw>
-                </a:effectLst>
-              </a14:hiddenEffects>
-            </a:ext>
-          </a:extLst>
-        </p:spPr>
-      </p:pic>
     </p:spTree>
   </p:cSld>
   <p:clrMapOvr>
     <a:masterClrMapping/>
   </p:clrMapOvr>
-  <p:timing>
-    <p:tnLst>
-      <p:par>
-        <p:cTn id="1" dur="indefinite" restart="never" nodeType="tmRoot">
-          <p:childTnLst>
-            <p:seq concurrent="1" nextAc="seek">
-              <p:cTn id="2" dur="indefinite" nodeType="mainSeq">
-                <p:childTnLst>
-                  <p:par>
-                    <p:cTn id="3" fill="hold" nodeType="clickPar">
-                      <p:stCondLst>
-                        <p:cond delay="indefinite"/>
-                      </p:stCondLst>
-                      <p:childTnLst>
-                        <p:par>
-                          <p:cTn id="4" fill="hold" nodeType="withGroup">
-                            <p:stCondLst>
-                              <p:cond delay="0"/>
-                            </p:stCondLst>
-                            <p:childTnLst>
-                              <p:par>
-                                <p:cTn id="5" presetID="10" presetClass="entr" presetSubtype="0" fill="hold" nodeType="clickEffect">
-                                  <p:stCondLst>
-                                    <p:cond delay="0"/>
-                                  </p:stCondLst>
-                                  <p:childTnLst>
-                                    <p:set>
-                                      <p:cBhvr>
-                                        <p:cTn id="6" dur="1" fill="hold">
-                                          <p:stCondLst>
-                                            <p:cond delay="0"/>
-                                          </p:stCondLst>
-                                        </p:cTn>
-                                        <p:tgtEl>
-                                          <p:spTgt spid="1024003"/>
-                                        </p:tgtEl>
-                                        <p:attrNameLst>
-                                          <p:attrName>style.visibility</p:attrName>
-                                        </p:attrNameLst>
-                                      </p:cBhvr>
-                                      <p:to>
-                                        <p:strVal val="visible"/>
-                                      </p:to>
-                                    </p:set>
-                                    <p:animEffect transition="in" filter="fade">
-                                      <p:cBhvr>
-                                        <p:cTn id="7" dur="500"/>
-                                        <p:tgtEl>
-                                          <p:spTgt spid="1024003"/>
-                                        </p:tgtEl>
-                                      </p:cBhvr>
-                                    </p:animEffect>
-                                  </p:childTnLst>
-                                </p:cTn>
-                              </p:par>
-                            </p:childTnLst>
-                          </p:cTn>
-                        </p:par>
-                      </p:childTnLst>
-                    </p:cTn>
-                  </p:par>
-                </p:childTnLst>
-              </p:cTn>
-              <p:prevCondLst>
-                <p:cond evt="onPrev" delay="0">
-                  <p:tgtEl>
-                    <p:sldTgt/>
-                  </p:tgtEl>
-                </p:cond>
-              </p:prevCondLst>
-              <p:nextCondLst>
-                <p:cond evt="onNext" delay="0">
-                  <p:tgtEl>
-                    <p:sldTgt/>
-                  </p:tgtEl>
-                </p:cond>
-              </p:nextCondLst>
-            </p:seq>
-          </p:childTnLst>
-        </p:cTn>
-      </p:par>
-    </p:tnLst>
-  </p:timing>
 </p:sld>
 </file>
 
